--- a/Chapter 4/Chapter 4 - Exercises.pptx
+++ b/Chapter 4/Chapter 4 - Exercises.pptx
@@ -11,6 +11,7 @@
     <p:sldId id="259" r:id="rId5"/>
     <p:sldId id="260" r:id="rId6"/>
     <p:sldId id="261" r:id="rId7"/>
+    <p:sldId id="262" r:id="rId8"/>
   </p:sldIdLst>
   <p:sldSz cx="12192000" cy="6858000"/>
   <p:notesSz cx="6858000" cy="9144000"/>
@@ -127,6 +128,326 @@
 
 <file path=ppt/changesInfos/changesInfo1.xml><?xml version="1.0" encoding="utf-8"?>
 <pc:chgInfo xmlns:a="http://schemas.openxmlformats.org/drawingml/2006/main" xmlns:r="http://schemas.openxmlformats.org/officeDocument/2006/relationships" xmlns:ac="http://schemas.microsoft.com/office/drawing/2013/main/command" xmlns:pc="http://schemas.microsoft.com/office/powerpoint/2013/main/command">
+  <pc:docChgLst>
+    <pc:chgData name="Nachai (Fluke) Paramesthanakorn" userId="348aaf9e-50b5-4d18-a5fc-8333da0e2505" providerId="ADAL" clId="{AD3D0764-DDD4-4D2E-9B77-823ED7B50DAB}"/>
+    <pc:docChg chg="undo custSel addSld delSld modSld">
+      <pc:chgData name="Nachai (Fluke) Paramesthanakorn" userId="348aaf9e-50b5-4d18-a5fc-8333da0e2505" providerId="ADAL" clId="{AD3D0764-DDD4-4D2E-9B77-823ED7B50DAB}" dt="2022-06-18T15:18:38.580" v="2196" actId="1076"/>
+      <pc:docMkLst>
+        <pc:docMk/>
+      </pc:docMkLst>
+      <pc:sldChg chg="addSp delSp modSp mod">
+        <pc:chgData name="Nachai (Fluke) Paramesthanakorn" userId="348aaf9e-50b5-4d18-a5fc-8333da0e2505" providerId="ADAL" clId="{AD3D0764-DDD4-4D2E-9B77-823ED7B50DAB}" dt="2022-06-18T14:56:15.575" v="1932" actId="20577"/>
+        <pc:sldMkLst>
+          <pc:docMk/>
+          <pc:sldMk cId="1460320143" sldId="257"/>
+        </pc:sldMkLst>
+        <pc:spChg chg="mod">
+          <ac:chgData name="Nachai (Fluke) Paramesthanakorn" userId="348aaf9e-50b5-4d18-a5fc-8333da0e2505" providerId="ADAL" clId="{AD3D0764-DDD4-4D2E-9B77-823ED7B50DAB}" dt="2022-06-18T14:56:15.575" v="1932" actId="20577"/>
+          <ac:spMkLst>
+            <pc:docMk/>
+            <pc:sldMk cId="1460320143" sldId="257"/>
+            <ac:spMk id="2" creationId="{E6E31280-DB88-FB02-5769-8FBA8CCC36B5}"/>
+          </ac:spMkLst>
+        </pc:spChg>
+        <pc:spChg chg="mod">
+          <ac:chgData name="Nachai (Fluke) Paramesthanakorn" userId="348aaf9e-50b5-4d18-a5fc-8333da0e2505" providerId="ADAL" clId="{AD3D0764-DDD4-4D2E-9B77-823ED7B50DAB}" dt="2022-06-13T10:12:31.084" v="1076" actId="14100"/>
+          <ac:spMkLst>
+            <pc:docMk/>
+            <pc:sldMk cId="1460320143" sldId="257"/>
+            <ac:spMk id="3" creationId="{68256E1D-949E-3034-0D0F-03CFD6421EB2}"/>
+          </ac:spMkLst>
+        </pc:spChg>
+        <pc:spChg chg="del">
+          <ac:chgData name="Nachai (Fluke) Paramesthanakorn" userId="348aaf9e-50b5-4d18-a5fc-8333da0e2505" providerId="ADAL" clId="{AD3D0764-DDD4-4D2E-9B77-823ED7B50DAB}" dt="2022-06-13T09:24:54.113" v="224" actId="478"/>
+          <ac:spMkLst>
+            <pc:docMk/>
+            <pc:sldMk cId="1460320143" sldId="257"/>
+            <ac:spMk id="4" creationId="{73308F2E-3798-FC70-4B71-9E19945AD39C}"/>
+          </ac:spMkLst>
+        </pc:spChg>
+        <pc:spChg chg="del mod">
+          <ac:chgData name="Nachai (Fluke) Paramesthanakorn" userId="348aaf9e-50b5-4d18-a5fc-8333da0e2505" providerId="ADAL" clId="{AD3D0764-DDD4-4D2E-9B77-823ED7B50DAB}" dt="2022-06-13T10:13:13.903" v="1083" actId="478"/>
+          <ac:spMkLst>
+            <pc:docMk/>
+            <pc:sldMk cId="1460320143" sldId="257"/>
+            <ac:spMk id="5" creationId="{3D87C72F-C7D1-9C8C-09FA-5F0824D2B8C8}"/>
+          </ac:spMkLst>
+        </pc:spChg>
+        <pc:spChg chg="add mod">
+          <ac:chgData name="Nachai (Fluke) Paramesthanakorn" userId="348aaf9e-50b5-4d18-a5fc-8333da0e2505" providerId="ADAL" clId="{AD3D0764-DDD4-4D2E-9B77-823ED7B50DAB}" dt="2022-06-13T11:45:57.743" v="1325" actId="1035"/>
+          <ac:spMkLst>
+            <pc:docMk/>
+            <pc:sldMk cId="1460320143" sldId="257"/>
+            <ac:spMk id="7" creationId="{E56C5AF0-C199-3C69-7EED-E3C6C6ADC360}"/>
+          </ac:spMkLst>
+        </pc:spChg>
+        <pc:graphicFrameChg chg="add mod modGraphic">
+          <ac:chgData name="Nachai (Fluke) Paramesthanakorn" userId="348aaf9e-50b5-4d18-a5fc-8333da0e2505" providerId="ADAL" clId="{AD3D0764-DDD4-4D2E-9B77-823ED7B50DAB}" dt="2022-06-13T11:46:11.371" v="1330" actId="20577"/>
+          <ac:graphicFrameMkLst>
+            <pc:docMk/>
+            <pc:sldMk cId="1460320143" sldId="257"/>
+            <ac:graphicFrameMk id="6" creationId="{34CD5848-6BF0-5777-A3D1-17204BCD7BCB}"/>
+          </ac:graphicFrameMkLst>
+        </pc:graphicFrameChg>
+      </pc:sldChg>
+      <pc:sldChg chg="addSp delSp modSp mod">
+        <pc:chgData name="Nachai (Fluke) Paramesthanakorn" userId="348aaf9e-50b5-4d18-a5fc-8333da0e2505" providerId="ADAL" clId="{AD3D0764-DDD4-4D2E-9B77-823ED7B50DAB}" dt="2022-06-18T15:18:38.580" v="2196" actId="1076"/>
+        <pc:sldMkLst>
+          <pc:docMk/>
+          <pc:sldMk cId="915334454" sldId="258"/>
+        </pc:sldMkLst>
+        <pc:spChg chg="mod">
+          <ac:chgData name="Nachai (Fluke) Paramesthanakorn" userId="348aaf9e-50b5-4d18-a5fc-8333da0e2505" providerId="ADAL" clId="{AD3D0764-DDD4-4D2E-9B77-823ED7B50DAB}" dt="2022-06-18T15:18:38.580" v="2196" actId="1076"/>
+          <ac:spMkLst>
+            <pc:docMk/>
+            <pc:sldMk cId="915334454" sldId="258"/>
+            <ac:spMk id="2" creationId="{E6E31280-DB88-FB02-5769-8FBA8CCC36B5}"/>
+          </ac:spMkLst>
+        </pc:spChg>
+        <pc:spChg chg="del">
+          <ac:chgData name="Nachai (Fluke) Paramesthanakorn" userId="348aaf9e-50b5-4d18-a5fc-8333da0e2505" providerId="ADAL" clId="{AD3D0764-DDD4-4D2E-9B77-823ED7B50DAB}" dt="2022-06-13T09:40:14.881" v="857" actId="478"/>
+          <ac:spMkLst>
+            <pc:docMk/>
+            <pc:sldMk cId="915334454" sldId="258"/>
+            <ac:spMk id="3" creationId="{68256E1D-949E-3034-0D0F-03CFD6421EB2}"/>
+          </ac:spMkLst>
+        </pc:spChg>
+        <pc:spChg chg="del">
+          <ac:chgData name="Nachai (Fluke) Paramesthanakorn" userId="348aaf9e-50b5-4d18-a5fc-8333da0e2505" providerId="ADAL" clId="{AD3D0764-DDD4-4D2E-9B77-823ED7B50DAB}" dt="2022-06-13T09:54:09.242" v="893" actId="478"/>
+          <ac:spMkLst>
+            <pc:docMk/>
+            <pc:sldMk cId="915334454" sldId="258"/>
+            <ac:spMk id="4" creationId="{73308F2E-3798-FC70-4B71-9E19945AD39C}"/>
+          </ac:spMkLst>
+        </pc:spChg>
+        <pc:spChg chg="del">
+          <ac:chgData name="Nachai (Fluke) Paramesthanakorn" userId="348aaf9e-50b5-4d18-a5fc-8333da0e2505" providerId="ADAL" clId="{AD3D0764-DDD4-4D2E-9B77-823ED7B50DAB}" dt="2022-06-13T09:40:16.376" v="858" actId="478"/>
+          <ac:spMkLst>
+            <pc:docMk/>
+            <pc:sldMk cId="915334454" sldId="258"/>
+            <ac:spMk id="5" creationId="{3D87C72F-C7D1-9C8C-09FA-5F0824D2B8C8}"/>
+          </ac:spMkLst>
+        </pc:spChg>
+        <pc:spChg chg="add del mod">
+          <ac:chgData name="Nachai (Fluke) Paramesthanakorn" userId="348aaf9e-50b5-4d18-a5fc-8333da0e2505" providerId="ADAL" clId="{AD3D0764-DDD4-4D2E-9B77-823ED7B50DAB}" dt="2022-06-13T09:54:08.180" v="892" actId="478"/>
+          <ac:spMkLst>
+            <pc:docMk/>
+            <pc:sldMk cId="915334454" sldId="258"/>
+            <ac:spMk id="14" creationId="{C9C77E70-D608-21EC-EF08-5D8B119AFE3B}"/>
+          </ac:spMkLst>
+        </pc:spChg>
+        <pc:spChg chg="add mod">
+          <ac:chgData name="Nachai (Fluke) Paramesthanakorn" userId="348aaf9e-50b5-4d18-a5fc-8333da0e2505" providerId="ADAL" clId="{AD3D0764-DDD4-4D2E-9B77-823ED7B50DAB}" dt="2022-06-13T12:22:45.738" v="1621" actId="20577"/>
+          <ac:spMkLst>
+            <pc:docMk/>
+            <pc:sldMk cId="915334454" sldId="258"/>
+            <ac:spMk id="15" creationId="{06A0DEF3-D89B-A294-9D33-6697C5C4A617}"/>
+          </ac:spMkLst>
+        </pc:spChg>
+        <pc:spChg chg="add mod">
+          <ac:chgData name="Nachai (Fluke) Paramesthanakorn" userId="348aaf9e-50b5-4d18-a5fc-8333da0e2505" providerId="ADAL" clId="{AD3D0764-DDD4-4D2E-9B77-823ED7B50DAB}" dt="2022-06-13T12:10:59.186" v="1596" actId="1076"/>
+          <ac:spMkLst>
+            <pc:docMk/>
+            <pc:sldMk cId="915334454" sldId="258"/>
+            <ac:spMk id="16" creationId="{B72CE4C5-E515-AEB6-DDD2-105F880D9ECC}"/>
+          </ac:spMkLst>
+        </pc:spChg>
+        <pc:spChg chg="add del mod">
+          <ac:chgData name="Nachai (Fluke) Paramesthanakorn" userId="348aaf9e-50b5-4d18-a5fc-8333da0e2505" providerId="ADAL" clId="{AD3D0764-DDD4-4D2E-9B77-823ED7B50DAB}" dt="2022-06-13T12:09:51.037" v="1581" actId="478"/>
+          <ac:spMkLst>
+            <pc:docMk/>
+            <pc:sldMk cId="915334454" sldId="258"/>
+            <ac:spMk id="17" creationId="{098514F5-9DB6-ADC5-877C-0666C07A3C40}"/>
+          </ac:spMkLst>
+        </pc:spChg>
+        <pc:spChg chg="add del mod">
+          <ac:chgData name="Nachai (Fluke) Paramesthanakorn" userId="348aaf9e-50b5-4d18-a5fc-8333da0e2505" providerId="ADAL" clId="{AD3D0764-DDD4-4D2E-9B77-823ED7B50DAB}" dt="2022-06-13T12:22:19.356" v="1602" actId="478"/>
+          <ac:spMkLst>
+            <pc:docMk/>
+            <pc:sldMk cId="915334454" sldId="258"/>
+            <ac:spMk id="18" creationId="{81F23D1D-C06A-7389-8491-B9ECD40E648B}"/>
+          </ac:spMkLst>
+        </pc:spChg>
+        <pc:spChg chg="add mod">
+          <ac:chgData name="Nachai (Fluke) Paramesthanakorn" userId="348aaf9e-50b5-4d18-a5fc-8333da0e2505" providerId="ADAL" clId="{AD3D0764-DDD4-4D2E-9B77-823ED7B50DAB}" dt="2022-06-13T12:22:25.394" v="1605" actId="1076"/>
+          <ac:spMkLst>
+            <pc:docMk/>
+            <pc:sldMk cId="915334454" sldId="258"/>
+            <ac:spMk id="20" creationId="{262EB513-79F3-F4E0-8DFF-6C2CC823DE9B}"/>
+          </ac:spMkLst>
+        </pc:spChg>
+        <pc:grpChg chg="del">
+          <ac:chgData name="Nachai (Fluke) Paramesthanakorn" userId="348aaf9e-50b5-4d18-a5fc-8333da0e2505" providerId="ADAL" clId="{AD3D0764-DDD4-4D2E-9B77-823ED7B50DAB}" dt="2022-06-13T09:54:04.187" v="891" actId="478"/>
+          <ac:grpSpMkLst>
+            <pc:docMk/>
+            <pc:sldMk cId="915334454" sldId="258"/>
+            <ac:grpSpMk id="13" creationId="{CC5586E3-91AA-02A0-293C-C23563BD39FF}"/>
+          </ac:grpSpMkLst>
+        </pc:grpChg>
+        <pc:graphicFrameChg chg="add mod modGraphic">
+          <ac:chgData name="Nachai (Fluke) Paramesthanakorn" userId="348aaf9e-50b5-4d18-a5fc-8333da0e2505" providerId="ADAL" clId="{AD3D0764-DDD4-4D2E-9B77-823ED7B50DAB}" dt="2022-06-13T12:25:59.223" v="1710"/>
+          <ac:graphicFrameMkLst>
+            <pc:docMk/>
+            <pc:sldMk cId="915334454" sldId="258"/>
+            <ac:graphicFrameMk id="19" creationId="{9F86FE58-7F12-B925-8F99-3D05435756D1}"/>
+          </ac:graphicFrameMkLst>
+        </pc:graphicFrameChg>
+        <pc:cxnChg chg="mod">
+          <ac:chgData name="Nachai (Fluke) Paramesthanakorn" userId="348aaf9e-50b5-4d18-a5fc-8333da0e2505" providerId="ADAL" clId="{AD3D0764-DDD4-4D2E-9B77-823ED7B50DAB}" dt="2022-06-13T09:54:04.187" v="891" actId="478"/>
+          <ac:cxnSpMkLst>
+            <pc:docMk/>
+            <pc:sldMk cId="915334454" sldId="258"/>
+            <ac:cxnSpMk id="10" creationId="{79C28891-44FC-06CE-EED7-B782232B8C6D}"/>
+          </ac:cxnSpMkLst>
+        </pc:cxnChg>
+      </pc:sldChg>
+      <pc:sldChg chg="delSp modSp add mod">
+        <pc:chgData name="Nachai (Fluke) Paramesthanakorn" userId="348aaf9e-50b5-4d18-a5fc-8333da0e2505" providerId="ADAL" clId="{AD3D0764-DDD4-4D2E-9B77-823ED7B50DAB}" dt="2022-06-18T15:17:56.417" v="2191" actId="20577"/>
+        <pc:sldMkLst>
+          <pc:docMk/>
+          <pc:sldMk cId="3321243836" sldId="259"/>
+        </pc:sldMkLst>
+        <pc:spChg chg="mod">
+          <ac:chgData name="Nachai (Fluke) Paramesthanakorn" userId="348aaf9e-50b5-4d18-a5fc-8333da0e2505" providerId="ADAL" clId="{AD3D0764-DDD4-4D2E-9B77-823ED7B50DAB}" dt="2022-06-18T15:17:56.417" v="2191" actId="20577"/>
+          <ac:spMkLst>
+            <pc:docMk/>
+            <pc:sldMk cId="3321243836" sldId="259"/>
+            <ac:spMk id="2" creationId="{E6E31280-DB88-FB02-5769-8FBA8CCC36B5}"/>
+          </ac:spMkLst>
+        </pc:spChg>
+        <pc:spChg chg="mod">
+          <ac:chgData name="Nachai (Fluke) Paramesthanakorn" userId="348aaf9e-50b5-4d18-a5fc-8333da0e2505" providerId="ADAL" clId="{AD3D0764-DDD4-4D2E-9B77-823ED7B50DAB}" dt="2022-06-18T12:47:39.862" v="1829" actId="1076"/>
+          <ac:spMkLst>
+            <pc:docMk/>
+            <pc:sldMk cId="3321243836" sldId="259"/>
+            <ac:spMk id="15" creationId="{06A0DEF3-D89B-A294-9D33-6697C5C4A617}"/>
+          </ac:spMkLst>
+        </pc:spChg>
+        <pc:spChg chg="del mod">
+          <ac:chgData name="Nachai (Fluke) Paramesthanakorn" userId="348aaf9e-50b5-4d18-a5fc-8333da0e2505" providerId="ADAL" clId="{AD3D0764-DDD4-4D2E-9B77-823ED7B50DAB}" dt="2022-06-18T12:30:00.872" v="1720" actId="478"/>
+          <ac:spMkLst>
+            <pc:docMk/>
+            <pc:sldMk cId="3321243836" sldId="259"/>
+            <ac:spMk id="16" creationId="{B72CE4C5-E515-AEB6-DDD2-105F880D9ECC}"/>
+          </ac:spMkLst>
+        </pc:spChg>
+        <pc:spChg chg="mod">
+          <ac:chgData name="Nachai (Fluke) Paramesthanakorn" userId="348aaf9e-50b5-4d18-a5fc-8333da0e2505" providerId="ADAL" clId="{AD3D0764-DDD4-4D2E-9B77-823ED7B50DAB}" dt="2022-06-18T12:47:14.663" v="1825" actId="1076"/>
+          <ac:spMkLst>
+            <pc:docMk/>
+            <pc:sldMk cId="3321243836" sldId="259"/>
+            <ac:spMk id="20" creationId="{262EB513-79F3-F4E0-8DFF-6C2CC823DE9B}"/>
+          </ac:spMkLst>
+        </pc:spChg>
+        <pc:graphicFrameChg chg="mod modGraphic">
+          <ac:chgData name="Nachai (Fluke) Paramesthanakorn" userId="348aaf9e-50b5-4d18-a5fc-8333da0e2505" providerId="ADAL" clId="{AD3D0764-DDD4-4D2E-9B77-823ED7B50DAB}" dt="2022-06-18T12:47:17.029" v="1826" actId="1076"/>
+          <ac:graphicFrameMkLst>
+            <pc:docMk/>
+            <pc:sldMk cId="3321243836" sldId="259"/>
+            <ac:graphicFrameMk id="19" creationId="{9F86FE58-7F12-B925-8F99-3D05435756D1}"/>
+          </ac:graphicFrameMkLst>
+        </pc:graphicFrameChg>
+      </pc:sldChg>
+      <pc:sldChg chg="modSp add mod">
+        <pc:chgData name="Nachai (Fluke) Paramesthanakorn" userId="348aaf9e-50b5-4d18-a5fc-8333da0e2505" providerId="ADAL" clId="{AD3D0764-DDD4-4D2E-9B77-823ED7B50DAB}" dt="2022-06-18T15:18:31.278" v="2195" actId="20577"/>
+        <pc:sldMkLst>
+          <pc:docMk/>
+          <pc:sldMk cId="978719796" sldId="260"/>
+        </pc:sldMkLst>
+        <pc:spChg chg="mod">
+          <ac:chgData name="Nachai (Fluke) Paramesthanakorn" userId="348aaf9e-50b5-4d18-a5fc-8333da0e2505" providerId="ADAL" clId="{AD3D0764-DDD4-4D2E-9B77-823ED7B50DAB}" dt="2022-06-18T15:18:31.278" v="2195" actId="20577"/>
+          <ac:spMkLst>
+            <pc:docMk/>
+            <pc:sldMk cId="978719796" sldId="260"/>
+            <ac:spMk id="2" creationId="{E6E31280-DB88-FB02-5769-8FBA8CCC36B5}"/>
+          </ac:spMkLst>
+        </pc:spChg>
+        <pc:spChg chg="mod">
+          <ac:chgData name="Nachai (Fluke) Paramesthanakorn" userId="348aaf9e-50b5-4d18-a5fc-8333da0e2505" providerId="ADAL" clId="{AD3D0764-DDD4-4D2E-9B77-823ED7B50DAB}" dt="2022-06-18T13:07:22.340" v="1903" actId="20577"/>
+          <ac:spMkLst>
+            <pc:docMk/>
+            <pc:sldMk cId="978719796" sldId="260"/>
+            <ac:spMk id="15" creationId="{06A0DEF3-D89B-A294-9D33-6697C5C4A617}"/>
+          </ac:spMkLst>
+        </pc:spChg>
+        <pc:graphicFrameChg chg="modGraphic">
+          <ac:chgData name="Nachai (Fluke) Paramesthanakorn" userId="348aaf9e-50b5-4d18-a5fc-8333da0e2505" providerId="ADAL" clId="{AD3D0764-DDD4-4D2E-9B77-823ED7B50DAB}" dt="2022-06-18T13:05:57.786" v="1890" actId="20577"/>
+          <ac:graphicFrameMkLst>
+            <pc:docMk/>
+            <pc:sldMk cId="978719796" sldId="260"/>
+            <ac:graphicFrameMk id="19" creationId="{9F86FE58-7F12-B925-8F99-3D05435756D1}"/>
+          </ac:graphicFrameMkLst>
+        </pc:graphicFrameChg>
+      </pc:sldChg>
+      <pc:sldChg chg="del">
+        <pc:chgData name="Nachai (Fluke) Paramesthanakorn" userId="348aaf9e-50b5-4d18-a5fc-8333da0e2505" providerId="ADAL" clId="{AD3D0764-DDD4-4D2E-9B77-823ED7B50DAB}" dt="2022-06-18T12:11:58.433" v="1711" actId="47"/>
+        <pc:sldMkLst>
+          <pc:docMk/>
+          <pc:sldMk cId="4271290158" sldId="260"/>
+        </pc:sldMkLst>
+      </pc:sldChg>
+      <pc:sldChg chg="modSp add mod">
+        <pc:chgData name="Nachai (Fluke) Paramesthanakorn" userId="348aaf9e-50b5-4d18-a5fc-8333da0e2505" providerId="ADAL" clId="{AD3D0764-DDD4-4D2E-9B77-823ED7B50DAB}" dt="2022-06-18T15:18:28.357" v="2194" actId="1076"/>
+        <pc:sldMkLst>
+          <pc:docMk/>
+          <pc:sldMk cId="553535742" sldId="261"/>
+        </pc:sldMkLst>
+        <pc:spChg chg="mod">
+          <ac:chgData name="Nachai (Fluke) Paramesthanakorn" userId="348aaf9e-50b5-4d18-a5fc-8333da0e2505" providerId="ADAL" clId="{AD3D0764-DDD4-4D2E-9B77-823ED7B50DAB}" dt="2022-06-18T15:18:28.357" v="2194" actId="1076"/>
+          <ac:spMkLst>
+            <pc:docMk/>
+            <pc:sldMk cId="553535742" sldId="261"/>
+            <ac:spMk id="2" creationId="{E6E31280-DB88-FB02-5769-8FBA8CCC36B5}"/>
+          </ac:spMkLst>
+        </pc:spChg>
+        <pc:spChg chg="mod">
+          <ac:chgData name="Nachai (Fluke) Paramesthanakorn" userId="348aaf9e-50b5-4d18-a5fc-8333da0e2505" providerId="ADAL" clId="{AD3D0764-DDD4-4D2E-9B77-823ED7B50DAB}" dt="2022-06-18T15:17:24.181" v="2190" actId="1076"/>
+          <ac:spMkLst>
+            <pc:docMk/>
+            <pc:sldMk cId="553535742" sldId="261"/>
+            <ac:spMk id="15" creationId="{06A0DEF3-D89B-A294-9D33-6697C5C4A617}"/>
+          </ac:spMkLst>
+        </pc:spChg>
+        <pc:spChg chg="mod">
+          <ac:chgData name="Nachai (Fluke) Paramesthanakorn" userId="348aaf9e-50b5-4d18-a5fc-8333da0e2505" providerId="ADAL" clId="{AD3D0764-DDD4-4D2E-9B77-823ED7B50DAB}" dt="2022-06-18T15:11:58.039" v="1975" actId="1076"/>
+          <ac:spMkLst>
+            <pc:docMk/>
+            <pc:sldMk cId="553535742" sldId="261"/>
+            <ac:spMk id="20" creationId="{262EB513-79F3-F4E0-8DFF-6C2CC823DE9B}"/>
+          </ac:spMkLst>
+        </pc:spChg>
+        <pc:graphicFrameChg chg="mod modGraphic">
+          <ac:chgData name="Nachai (Fluke) Paramesthanakorn" userId="348aaf9e-50b5-4d18-a5fc-8333da0e2505" providerId="ADAL" clId="{AD3D0764-DDD4-4D2E-9B77-823ED7B50DAB}" dt="2022-06-18T15:14:29.219" v="2117" actId="2165"/>
+          <ac:graphicFrameMkLst>
+            <pc:docMk/>
+            <pc:sldMk cId="553535742" sldId="261"/>
+            <ac:graphicFrameMk id="19" creationId="{9F86FE58-7F12-B925-8F99-3D05435756D1}"/>
+          </ac:graphicFrameMkLst>
+        </pc:graphicFrameChg>
+      </pc:sldChg>
+      <pc:sldChg chg="del">
+        <pc:chgData name="Nachai (Fluke) Paramesthanakorn" userId="348aaf9e-50b5-4d18-a5fc-8333da0e2505" providerId="ADAL" clId="{AD3D0764-DDD4-4D2E-9B77-823ED7B50DAB}" dt="2022-06-18T12:12:02.762" v="1714" actId="47"/>
+        <pc:sldMkLst>
+          <pc:docMk/>
+          <pc:sldMk cId="3964446542" sldId="261"/>
+        </pc:sldMkLst>
+      </pc:sldChg>
+      <pc:sldChg chg="del">
+        <pc:chgData name="Nachai (Fluke) Paramesthanakorn" userId="348aaf9e-50b5-4d18-a5fc-8333da0e2505" providerId="ADAL" clId="{AD3D0764-DDD4-4D2E-9B77-823ED7B50DAB}" dt="2022-06-18T12:12:00.332" v="1712" actId="47"/>
+        <pc:sldMkLst>
+          <pc:docMk/>
+          <pc:sldMk cId="124719412" sldId="262"/>
+        </pc:sldMkLst>
+      </pc:sldChg>
+      <pc:sldChg chg="del">
+        <pc:chgData name="Nachai (Fluke) Paramesthanakorn" userId="348aaf9e-50b5-4d18-a5fc-8333da0e2505" providerId="ADAL" clId="{AD3D0764-DDD4-4D2E-9B77-823ED7B50DAB}" dt="2022-06-18T12:12:01.649" v="1713" actId="47"/>
+        <pc:sldMkLst>
+          <pc:docMk/>
+          <pc:sldMk cId="2908012971" sldId="263"/>
+        </pc:sldMkLst>
+      </pc:sldChg>
+    </pc:docChg>
+  </pc:docChgLst>
   <pc:docChgLst>
     <pc:chgData name="Nachai (Fluke) Paramesthanakorn" userId="348aaf9e-50b5-4d18-a5fc-8333da0e2505" providerId="ADAL" clId="{FBD063E0-9D3E-4C62-83CE-BD6CE536E4B4}"/>
     <pc:docChg chg="undo custSel addSld delSld modSld sldOrd">
@@ -874,326 +1195,6 @@
       </pc:sldChg>
     </pc:docChg>
   </pc:docChgLst>
-  <pc:docChgLst>
-    <pc:chgData name="Nachai (Fluke) Paramesthanakorn" userId="348aaf9e-50b5-4d18-a5fc-8333da0e2505" providerId="ADAL" clId="{AD3D0764-DDD4-4D2E-9B77-823ED7B50DAB}"/>
-    <pc:docChg chg="undo custSel addSld delSld modSld">
-      <pc:chgData name="Nachai (Fluke) Paramesthanakorn" userId="348aaf9e-50b5-4d18-a5fc-8333da0e2505" providerId="ADAL" clId="{AD3D0764-DDD4-4D2E-9B77-823ED7B50DAB}" dt="2022-06-18T15:18:38.580" v="2196" actId="1076"/>
-      <pc:docMkLst>
-        <pc:docMk/>
-      </pc:docMkLst>
-      <pc:sldChg chg="addSp delSp modSp mod">
-        <pc:chgData name="Nachai (Fluke) Paramesthanakorn" userId="348aaf9e-50b5-4d18-a5fc-8333da0e2505" providerId="ADAL" clId="{AD3D0764-DDD4-4D2E-9B77-823ED7B50DAB}" dt="2022-06-18T14:56:15.575" v="1932" actId="20577"/>
-        <pc:sldMkLst>
-          <pc:docMk/>
-          <pc:sldMk cId="1460320143" sldId="257"/>
-        </pc:sldMkLst>
-        <pc:spChg chg="mod">
-          <ac:chgData name="Nachai (Fluke) Paramesthanakorn" userId="348aaf9e-50b5-4d18-a5fc-8333da0e2505" providerId="ADAL" clId="{AD3D0764-DDD4-4D2E-9B77-823ED7B50DAB}" dt="2022-06-18T14:56:15.575" v="1932" actId="20577"/>
-          <ac:spMkLst>
-            <pc:docMk/>
-            <pc:sldMk cId="1460320143" sldId="257"/>
-            <ac:spMk id="2" creationId="{E6E31280-DB88-FB02-5769-8FBA8CCC36B5}"/>
-          </ac:spMkLst>
-        </pc:spChg>
-        <pc:spChg chg="mod">
-          <ac:chgData name="Nachai (Fluke) Paramesthanakorn" userId="348aaf9e-50b5-4d18-a5fc-8333da0e2505" providerId="ADAL" clId="{AD3D0764-DDD4-4D2E-9B77-823ED7B50DAB}" dt="2022-06-13T10:12:31.084" v="1076" actId="14100"/>
-          <ac:spMkLst>
-            <pc:docMk/>
-            <pc:sldMk cId="1460320143" sldId="257"/>
-            <ac:spMk id="3" creationId="{68256E1D-949E-3034-0D0F-03CFD6421EB2}"/>
-          </ac:spMkLst>
-        </pc:spChg>
-        <pc:spChg chg="del">
-          <ac:chgData name="Nachai (Fluke) Paramesthanakorn" userId="348aaf9e-50b5-4d18-a5fc-8333da0e2505" providerId="ADAL" clId="{AD3D0764-DDD4-4D2E-9B77-823ED7B50DAB}" dt="2022-06-13T09:24:54.113" v="224" actId="478"/>
-          <ac:spMkLst>
-            <pc:docMk/>
-            <pc:sldMk cId="1460320143" sldId="257"/>
-            <ac:spMk id="4" creationId="{73308F2E-3798-FC70-4B71-9E19945AD39C}"/>
-          </ac:spMkLst>
-        </pc:spChg>
-        <pc:spChg chg="del mod">
-          <ac:chgData name="Nachai (Fluke) Paramesthanakorn" userId="348aaf9e-50b5-4d18-a5fc-8333da0e2505" providerId="ADAL" clId="{AD3D0764-DDD4-4D2E-9B77-823ED7B50DAB}" dt="2022-06-13T10:13:13.903" v="1083" actId="478"/>
-          <ac:spMkLst>
-            <pc:docMk/>
-            <pc:sldMk cId="1460320143" sldId="257"/>
-            <ac:spMk id="5" creationId="{3D87C72F-C7D1-9C8C-09FA-5F0824D2B8C8}"/>
-          </ac:spMkLst>
-        </pc:spChg>
-        <pc:spChg chg="add mod">
-          <ac:chgData name="Nachai (Fluke) Paramesthanakorn" userId="348aaf9e-50b5-4d18-a5fc-8333da0e2505" providerId="ADAL" clId="{AD3D0764-DDD4-4D2E-9B77-823ED7B50DAB}" dt="2022-06-13T11:45:57.743" v="1325" actId="1035"/>
-          <ac:spMkLst>
-            <pc:docMk/>
-            <pc:sldMk cId="1460320143" sldId="257"/>
-            <ac:spMk id="7" creationId="{E56C5AF0-C199-3C69-7EED-E3C6C6ADC360}"/>
-          </ac:spMkLst>
-        </pc:spChg>
-        <pc:graphicFrameChg chg="add mod modGraphic">
-          <ac:chgData name="Nachai (Fluke) Paramesthanakorn" userId="348aaf9e-50b5-4d18-a5fc-8333da0e2505" providerId="ADAL" clId="{AD3D0764-DDD4-4D2E-9B77-823ED7B50DAB}" dt="2022-06-13T11:46:11.371" v="1330" actId="20577"/>
-          <ac:graphicFrameMkLst>
-            <pc:docMk/>
-            <pc:sldMk cId="1460320143" sldId="257"/>
-            <ac:graphicFrameMk id="6" creationId="{34CD5848-6BF0-5777-A3D1-17204BCD7BCB}"/>
-          </ac:graphicFrameMkLst>
-        </pc:graphicFrameChg>
-      </pc:sldChg>
-      <pc:sldChg chg="addSp delSp modSp mod">
-        <pc:chgData name="Nachai (Fluke) Paramesthanakorn" userId="348aaf9e-50b5-4d18-a5fc-8333da0e2505" providerId="ADAL" clId="{AD3D0764-DDD4-4D2E-9B77-823ED7B50DAB}" dt="2022-06-18T15:18:38.580" v="2196" actId="1076"/>
-        <pc:sldMkLst>
-          <pc:docMk/>
-          <pc:sldMk cId="915334454" sldId="258"/>
-        </pc:sldMkLst>
-        <pc:spChg chg="mod">
-          <ac:chgData name="Nachai (Fluke) Paramesthanakorn" userId="348aaf9e-50b5-4d18-a5fc-8333da0e2505" providerId="ADAL" clId="{AD3D0764-DDD4-4D2E-9B77-823ED7B50DAB}" dt="2022-06-18T15:18:38.580" v="2196" actId="1076"/>
-          <ac:spMkLst>
-            <pc:docMk/>
-            <pc:sldMk cId="915334454" sldId="258"/>
-            <ac:spMk id="2" creationId="{E6E31280-DB88-FB02-5769-8FBA8CCC36B5}"/>
-          </ac:spMkLst>
-        </pc:spChg>
-        <pc:spChg chg="del">
-          <ac:chgData name="Nachai (Fluke) Paramesthanakorn" userId="348aaf9e-50b5-4d18-a5fc-8333da0e2505" providerId="ADAL" clId="{AD3D0764-DDD4-4D2E-9B77-823ED7B50DAB}" dt="2022-06-13T09:40:14.881" v="857" actId="478"/>
-          <ac:spMkLst>
-            <pc:docMk/>
-            <pc:sldMk cId="915334454" sldId="258"/>
-            <ac:spMk id="3" creationId="{68256E1D-949E-3034-0D0F-03CFD6421EB2}"/>
-          </ac:spMkLst>
-        </pc:spChg>
-        <pc:spChg chg="del">
-          <ac:chgData name="Nachai (Fluke) Paramesthanakorn" userId="348aaf9e-50b5-4d18-a5fc-8333da0e2505" providerId="ADAL" clId="{AD3D0764-DDD4-4D2E-9B77-823ED7B50DAB}" dt="2022-06-13T09:54:09.242" v="893" actId="478"/>
-          <ac:spMkLst>
-            <pc:docMk/>
-            <pc:sldMk cId="915334454" sldId="258"/>
-            <ac:spMk id="4" creationId="{73308F2E-3798-FC70-4B71-9E19945AD39C}"/>
-          </ac:spMkLst>
-        </pc:spChg>
-        <pc:spChg chg="del">
-          <ac:chgData name="Nachai (Fluke) Paramesthanakorn" userId="348aaf9e-50b5-4d18-a5fc-8333da0e2505" providerId="ADAL" clId="{AD3D0764-DDD4-4D2E-9B77-823ED7B50DAB}" dt="2022-06-13T09:40:16.376" v="858" actId="478"/>
-          <ac:spMkLst>
-            <pc:docMk/>
-            <pc:sldMk cId="915334454" sldId="258"/>
-            <ac:spMk id="5" creationId="{3D87C72F-C7D1-9C8C-09FA-5F0824D2B8C8}"/>
-          </ac:spMkLst>
-        </pc:spChg>
-        <pc:spChg chg="add del mod">
-          <ac:chgData name="Nachai (Fluke) Paramesthanakorn" userId="348aaf9e-50b5-4d18-a5fc-8333da0e2505" providerId="ADAL" clId="{AD3D0764-DDD4-4D2E-9B77-823ED7B50DAB}" dt="2022-06-13T09:54:08.180" v="892" actId="478"/>
-          <ac:spMkLst>
-            <pc:docMk/>
-            <pc:sldMk cId="915334454" sldId="258"/>
-            <ac:spMk id="14" creationId="{C9C77E70-D608-21EC-EF08-5D8B119AFE3B}"/>
-          </ac:spMkLst>
-        </pc:spChg>
-        <pc:spChg chg="add mod">
-          <ac:chgData name="Nachai (Fluke) Paramesthanakorn" userId="348aaf9e-50b5-4d18-a5fc-8333da0e2505" providerId="ADAL" clId="{AD3D0764-DDD4-4D2E-9B77-823ED7B50DAB}" dt="2022-06-13T12:22:45.738" v="1621" actId="20577"/>
-          <ac:spMkLst>
-            <pc:docMk/>
-            <pc:sldMk cId="915334454" sldId="258"/>
-            <ac:spMk id="15" creationId="{06A0DEF3-D89B-A294-9D33-6697C5C4A617}"/>
-          </ac:spMkLst>
-        </pc:spChg>
-        <pc:spChg chg="add mod">
-          <ac:chgData name="Nachai (Fluke) Paramesthanakorn" userId="348aaf9e-50b5-4d18-a5fc-8333da0e2505" providerId="ADAL" clId="{AD3D0764-DDD4-4D2E-9B77-823ED7B50DAB}" dt="2022-06-13T12:10:59.186" v="1596" actId="1076"/>
-          <ac:spMkLst>
-            <pc:docMk/>
-            <pc:sldMk cId="915334454" sldId="258"/>
-            <ac:spMk id="16" creationId="{B72CE4C5-E515-AEB6-DDD2-105F880D9ECC}"/>
-          </ac:spMkLst>
-        </pc:spChg>
-        <pc:spChg chg="add del mod">
-          <ac:chgData name="Nachai (Fluke) Paramesthanakorn" userId="348aaf9e-50b5-4d18-a5fc-8333da0e2505" providerId="ADAL" clId="{AD3D0764-DDD4-4D2E-9B77-823ED7B50DAB}" dt="2022-06-13T12:09:51.037" v="1581" actId="478"/>
-          <ac:spMkLst>
-            <pc:docMk/>
-            <pc:sldMk cId="915334454" sldId="258"/>
-            <ac:spMk id="17" creationId="{098514F5-9DB6-ADC5-877C-0666C07A3C40}"/>
-          </ac:spMkLst>
-        </pc:spChg>
-        <pc:spChg chg="add del mod">
-          <ac:chgData name="Nachai (Fluke) Paramesthanakorn" userId="348aaf9e-50b5-4d18-a5fc-8333da0e2505" providerId="ADAL" clId="{AD3D0764-DDD4-4D2E-9B77-823ED7B50DAB}" dt="2022-06-13T12:22:19.356" v="1602" actId="478"/>
-          <ac:spMkLst>
-            <pc:docMk/>
-            <pc:sldMk cId="915334454" sldId="258"/>
-            <ac:spMk id="18" creationId="{81F23D1D-C06A-7389-8491-B9ECD40E648B}"/>
-          </ac:spMkLst>
-        </pc:spChg>
-        <pc:spChg chg="add mod">
-          <ac:chgData name="Nachai (Fluke) Paramesthanakorn" userId="348aaf9e-50b5-4d18-a5fc-8333da0e2505" providerId="ADAL" clId="{AD3D0764-DDD4-4D2E-9B77-823ED7B50DAB}" dt="2022-06-13T12:22:25.394" v="1605" actId="1076"/>
-          <ac:spMkLst>
-            <pc:docMk/>
-            <pc:sldMk cId="915334454" sldId="258"/>
-            <ac:spMk id="20" creationId="{262EB513-79F3-F4E0-8DFF-6C2CC823DE9B}"/>
-          </ac:spMkLst>
-        </pc:spChg>
-        <pc:grpChg chg="del">
-          <ac:chgData name="Nachai (Fluke) Paramesthanakorn" userId="348aaf9e-50b5-4d18-a5fc-8333da0e2505" providerId="ADAL" clId="{AD3D0764-DDD4-4D2E-9B77-823ED7B50DAB}" dt="2022-06-13T09:54:04.187" v="891" actId="478"/>
-          <ac:grpSpMkLst>
-            <pc:docMk/>
-            <pc:sldMk cId="915334454" sldId="258"/>
-            <ac:grpSpMk id="13" creationId="{CC5586E3-91AA-02A0-293C-C23563BD39FF}"/>
-          </ac:grpSpMkLst>
-        </pc:grpChg>
-        <pc:graphicFrameChg chg="add mod modGraphic">
-          <ac:chgData name="Nachai (Fluke) Paramesthanakorn" userId="348aaf9e-50b5-4d18-a5fc-8333da0e2505" providerId="ADAL" clId="{AD3D0764-DDD4-4D2E-9B77-823ED7B50DAB}" dt="2022-06-13T12:25:59.223" v="1710"/>
-          <ac:graphicFrameMkLst>
-            <pc:docMk/>
-            <pc:sldMk cId="915334454" sldId="258"/>
-            <ac:graphicFrameMk id="19" creationId="{9F86FE58-7F12-B925-8F99-3D05435756D1}"/>
-          </ac:graphicFrameMkLst>
-        </pc:graphicFrameChg>
-        <pc:cxnChg chg="mod">
-          <ac:chgData name="Nachai (Fluke) Paramesthanakorn" userId="348aaf9e-50b5-4d18-a5fc-8333da0e2505" providerId="ADAL" clId="{AD3D0764-DDD4-4D2E-9B77-823ED7B50DAB}" dt="2022-06-13T09:54:04.187" v="891" actId="478"/>
-          <ac:cxnSpMkLst>
-            <pc:docMk/>
-            <pc:sldMk cId="915334454" sldId="258"/>
-            <ac:cxnSpMk id="10" creationId="{79C28891-44FC-06CE-EED7-B782232B8C6D}"/>
-          </ac:cxnSpMkLst>
-        </pc:cxnChg>
-      </pc:sldChg>
-      <pc:sldChg chg="delSp modSp add mod">
-        <pc:chgData name="Nachai (Fluke) Paramesthanakorn" userId="348aaf9e-50b5-4d18-a5fc-8333da0e2505" providerId="ADAL" clId="{AD3D0764-DDD4-4D2E-9B77-823ED7B50DAB}" dt="2022-06-18T15:17:56.417" v="2191" actId="20577"/>
-        <pc:sldMkLst>
-          <pc:docMk/>
-          <pc:sldMk cId="3321243836" sldId="259"/>
-        </pc:sldMkLst>
-        <pc:spChg chg="mod">
-          <ac:chgData name="Nachai (Fluke) Paramesthanakorn" userId="348aaf9e-50b5-4d18-a5fc-8333da0e2505" providerId="ADAL" clId="{AD3D0764-DDD4-4D2E-9B77-823ED7B50DAB}" dt="2022-06-18T15:17:56.417" v="2191" actId="20577"/>
-          <ac:spMkLst>
-            <pc:docMk/>
-            <pc:sldMk cId="3321243836" sldId="259"/>
-            <ac:spMk id="2" creationId="{E6E31280-DB88-FB02-5769-8FBA8CCC36B5}"/>
-          </ac:spMkLst>
-        </pc:spChg>
-        <pc:spChg chg="mod">
-          <ac:chgData name="Nachai (Fluke) Paramesthanakorn" userId="348aaf9e-50b5-4d18-a5fc-8333da0e2505" providerId="ADAL" clId="{AD3D0764-DDD4-4D2E-9B77-823ED7B50DAB}" dt="2022-06-18T12:47:39.862" v="1829" actId="1076"/>
-          <ac:spMkLst>
-            <pc:docMk/>
-            <pc:sldMk cId="3321243836" sldId="259"/>
-            <ac:spMk id="15" creationId="{06A0DEF3-D89B-A294-9D33-6697C5C4A617}"/>
-          </ac:spMkLst>
-        </pc:spChg>
-        <pc:spChg chg="del mod">
-          <ac:chgData name="Nachai (Fluke) Paramesthanakorn" userId="348aaf9e-50b5-4d18-a5fc-8333da0e2505" providerId="ADAL" clId="{AD3D0764-DDD4-4D2E-9B77-823ED7B50DAB}" dt="2022-06-18T12:30:00.872" v="1720" actId="478"/>
-          <ac:spMkLst>
-            <pc:docMk/>
-            <pc:sldMk cId="3321243836" sldId="259"/>
-            <ac:spMk id="16" creationId="{B72CE4C5-E515-AEB6-DDD2-105F880D9ECC}"/>
-          </ac:spMkLst>
-        </pc:spChg>
-        <pc:spChg chg="mod">
-          <ac:chgData name="Nachai (Fluke) Paramesthanakorn" userId="348aaf9e-50b5-4d18-a5fc-8333da0e2505" providerId="ADAL" clId="{AD3D0764-DDD4-4D2E-9B77-823ED7B50DAB}" dt="2022-06-18T12:47:14.663" v="1825" actId="1076"/>
-          <ac:spMkLst>
-            <pc:docMk/>
-            <pc:sldMk cId="3321243836" sldId="259"/>
-            <ac:spMk id="20" creationId="{262EB513-79F3-F4E0-8DFF-6C2CC823DE9B}"/>
-          </ac:spMkLst>
-        </pc:spChg>
-        <pc:graphicFrameChg chg="mod modGraphic">
-          <ac:chgData name="Nachai (Fluke) Paramesthanakorn" userId="348aaf9e-50b5-4d18-a5fc-8333da0e2505" providerId="ADAL" clId="{AD3D0764-DDD4-4D2E-9B77-823ED7B50DAB}" dt="2022-06-18T12:47:17.029" v="1826" actId="1076"/>
-          <ac:graphicFrameMkLst>
-            <pc:docMk/>
-            <pc:sldMk cId="3321243836" sldId="259"/>
-            <ac:graphicFrameMk id="19" creationId="{9F86FE58-7F12-B925-8F99-3D05435756D1}"/>
-          </ac:graphicFrameMkLst>
-        </pc:graphicFrameChg>
-      </pc:sldChg>
-      <pc:sldChg chg="modSp add mod">
-        <pc:chgData name="Nachai (Fluke) Paramesthanakorn" userId="348aaf9e-50b5-4d18-a5fc-8333da0e2505" providerId="ADAL" clId="{AD3D0764-DDD4-4D2E-9B77-823ED7B50DAB}" dt="2022-06-18T15:18:31.278" v="2195" actId="20577"/>
-        <pc:sldMkLst>
-          <pc:docMk/>
-          <pc:sldMk cId="978719796" sldId="260"/>
-        </pc:sldMkLst>
-        <pc:spChg chg="mod">
-          <ac:chgData name="Nachai (Fluke) Paramesthanakorn" userId="348aaf9e-50b5-4d18-a5fc-8333da0e2505" providerId="ADAL" clId="{AD3D0764-DDD4-4D2E-9B77-823ED7B50DAB}" dt="2022-06-18T15:18:31.278" v="2195" actId="20577"/>
-          <ac:spMkLst>
-            <pc:docMk/>
-            <pc:sldMk cId="978719796" sldId="260"/>
-            <ac:spMk id="2" creationId="{E6E31280-DB88-FB02-5769-8FBA8CCC36B5}"/>
-          </ac:spMkLst>
-        </pc:spChg>
-        <pc:spChg chg="mod">
-          <ac:chgData name="Nachai (Fluke) Paramesthanakorn" userId="348aaf9e-50b5-4d18-a5fc-8333da0e2505" providerId="ADAL" clId="{AD3D0764-DDD4-4D2E-9B77-823ED7B50DAB}" dt="2022-06-18T13:07:22.340" v="1903" actId="20577"/>
-          <ac:spMkLst>
-            <pc:docMk/>
-            <pc:sldMk cId="978719796" sldId="260"/>
-            <ac:spMk id="15" creationId="{06A0DEF3-D89B-A294-9D33-6697C5C4A617}"/>
-          </ac:spMkLst>
-        </pc:spChg>
-        <pc:graphicFrameChg chg="modGraphic">
-          <ac:chgData name="Nachai (Fluke) Paramesthanakorn" userId="348aaf9e-50b5-4d18-a5fc-8333da0e2505" providerId="ADAL" clId="{AD3D0764-DDD4-4D2E-9B77-823ED7B50DAB}" dt="2022-06-18T13:05:57.786" v="1890" actId="20577"/>
-          <ac:graphicFrameMkLst>
-            <pc:docMk/>
-            <pc:sldMk cId="978719796" sldId="260"/>
-            <ac:graphicFrameMk id="19" creationId="{9F86FE58-7F12-B925-8F99-3D05435756D1}"/>
-          </ac:graphicFrameMkLst>
-        </pc:graphicFrameChg>
-      </pc:sldChg>
-      <pc:sldChg chg="del">
-        <pc:chgData name="Nachai (Fluke) Paramesthanakorn" userId="348aaf9e-50b5-4d18-a5fc-8333da0e2505" providerId="ADAL" clId="{AD3D0764-DDD4-4D2E-9B77-823ED7B50DAB}" dt="2022-06-18T12:11:58.433" v="1711" actId="47"/>
-        <pc:sldMkLst>
-          <pc:docMk/>
-          <pc:sldMk cId="4271290158" sldId="260"/>
-        </pc:sldMkLst>
-      </pc:sldChg>
-      <pc:sldChg chg="modSp add mod">
-        <pc:chgData name="Nachai (Fluke) Paramesthanakorn" userId="348aaf9e-50b5-4d18-a5fc-8333da0e2505" providerId="ADAL" clId="{AD3D0764-DDD4-4D2E-9B77-823ED7B50DAB}" dt="2022-06-18T15:18:28.357" v="2194" actId="1076"/>
-        <pc:sldMkLst>
-          <pc:docMk/>
-          <pc:sldMk cId="553535742" sldId="261"/>
-        </pc:sldMkLst>
-        <pc:spChg chg="mod">
-          <ac:chgData name="Nachai (Fluke) Paramesthanakorn" userId="348aaf9e-50b5-4d18-a5fc-8333da0e2505" providerId="ADAL" clId="{AD3D0764-DDD4-4D2E-9B77-823ED7B50DAB}" dt="2022-06-18T15:18:28.357" v="2194" actId="1076"/>
-          <ac:spMkLst>
-            <pc:docMk/>
-            <pc:sldMk cId="553535742" sldId="261"/>
-            <ac:spMk id="2" creationId="{E6E31280-DB88-FB02-5769-8FBA8CCC36B5}"/>
-          </ac:spMkLst>
-        </pc:spChg>
-        <pc:spChg chg="mod">
-          <ac:chgData name="Nachai (Fluke) Paramesthanakorn" userId="348aaf9e-50b5-4d18-a5fc-8333da0e2505" providerId="ADAL" clId="{AD3D0764-DDD4-4D2E-9B77-823ED7B50DAB}" dt="2022-06-18T15:17:24.181" v="2190" actId="1076"/>
-          <ac:spMkLst>
-            <pc:docMk/>
-            <pc:sldMk cId="553535742" sldId="261"/>
-            <ac:spMk id="15" creationId="{06A0DEF3-D89B-A294-9D33-6697C5C4A617}"/>
-          </ac:spMkLst>
-        </pc:spChg>
-        <pc:spChg chg="mod">
-          <ac:chgData name="Nachai (Fluke) Paramesthanakorn" userId="348aaf9e-50b5-4d18-a5fc-8333da0e2505" providerId="ADAL" clId="{AD3D0764-DDD4-4D2E-9B77-823ED7B50DAB}" dt="2022-06-18T15:11:58.039" v="1975" actId="1076"/>
-          <ac:spMkLst>
-            <pc:docMk/>
-            <pc:sldMk cId="553535742" sldId="261"/>
-            <ac:spMk id="20" creationId="{262EB513-79F3-F4E0-8DFF-6C2CC823DE9B}"/>
-          </ac:spMkLst>
-        </pc:spChg>
-        <pc:graphicFrameChg chg="mod modGraphic">
-          <ac:chgData name="Nachai (Fluke) Paramesthanakorn" userId="348aaf9e-50b5-4d18-a5fc-8333da0e2505" providerId="ADAL" clId="{AD3D0764-DDD4-4D2E-9B77-823ED7B50DAB}" dt="2022-06-18T15:14:29.219" v="2117" actId="2165"/>
-          <ac:graphicFrameMkLst>
-            <pc:docMk/>
-            <pc:sldMk cId="553535742" sldId="261"/>
-            <ac:graphicFrameMk id="19" creationId="{9F86FE58-7F12-B925-8F99-3D05435756D1}"/>
-          </ac:graphicFrameMkLst>
-        </pc:graphicFrameChg>
-      </pc:sldChg>
-      <pc:sldChg chg="del">
-        <pc:chgData name="Nachai (Fluke) Paramesthanakorn" userId="348aaf9e-50b5-4d18-a5fc-8333da0e2505" providerId="ADAL" clId="{AD3D0764-DDD4-4D2E-9B77-823ED7B50DAB}" dt="2022-06-18T12:12:02.762" v="1714" actId="47"/>
-        <pc:sldMkLst>
-          <pc:docMk/>
-          <pc:sldMk cId="3964446542" sldId="261"/>
-        </pc:sldMkLst>
-      </pc:sldChg>
-      <pc:sldChg chg="del">
-        <pc:chgData name="Nachai (Fluke) Paramesthanakorn" userId="348aaf9e-50b5-4d18-a5fc-8333da0e2505" providerId="ADAL" clId="{AD3D0764-DDD4-4D2E-9B77-823ED7B50DAB}" dt="2022-06-18T12:12:00.332" v="1712" actId="47"/>
-        <pc:sldMkLst>
-          <pc:docMk/>
-          <pc:sldMk cId="124719412" sldId="262"/>
-        </pc:sldMkLst>
-      </pc:sldChg>
-      <pc:sldChg chg="del">
-        <pc:chgData name="Nachai (Fluke) Paramesthanakorn" userId="348aaf9e-50b5-4d18-a5fc-8333da0e2505" providerId="ADAL" clId="{AD3D0764-DDD4-4D2E-9B77-823ED7B50DAB}" dt="2022-06-18T12:12:01.649" v="1713" actId="47"/>
-        <pc:sldMkLst>
-          <pc:docMk/>
-          <pc:sldMk cId="2908012971" sldId="263"/>
-        </pc:sldMkLst>
-      </pc:sldChg>
-    </pc:docChg>
-  </pc:docChgLst>
 </pc:chgInfo>
 </file>
 
@@ -1344,7 +1345,7 @@
           <a:p>
             <a:fld id="{07F7D0CB-7C66-46CC-87F2-65684CA4E18D}" type="datetimeFigureOut">
               <a:rPr lang="en-US" smtClean="0"/>
-              <a:t>7/3/2022</a:t>
+              <a:t>7/15/2022</a:t>
             </a:fld>
             <a:endParaRPr lang="en-US"/>
           </a:p>
@@ -1542,7 +1543,7 @@
           <a:p>
             <a:fld id="{07F7D0CB-7C66-46CC-87F2-65684CA4E18D}" type="datetimeFigureOut">
               <a:rPr lang="en-US" smtClean="0"/>
-              <a:t>7/3/2022</a:t>
+              <a:t>7/15/2022</a:t>
             </a:fld>
             <a:endParaRPr lang="en-US"/>
           </a:p>
@@ -1750,7 +1751,7 @@
           <a:p>
             <a:fld id="{07F7D0CB-7C66-46CC-87F2-65684CA4E18D}" type="datetimeFigureOut">
               <a:rPr lang="en-US" smtClean="0"/>
-              <a:t>7/3/2022</a:t>
+              <a:t>7/15/2022</a:t>
             </a:fld>
             <a:endParaRPr lang="en-US"/>
           </a:p>
@@ -1948,7 +1949,7 @@
           <a:p>
             <a:fld id="{07F7D0CB-7C66-46CC-87F2-65684CA4E18D}" type="datetimeFigureOut">
               <a:rPr lang="en-US" smtClean="0"/>
-              <a:t>7/3/2022</a:t>
+              <a:t>7/15/2022</a:t>
             </a:fld>
             <a:endParaRPr lang="en-US"/>
           </a:p>
@@ -2223,7 +2224,7 @@
           <a:p>
             <a:fld id="{07F7D0CB-7C66-46CC-87F2-65684CA4E18D}" type="datetimeFigureOut">
               <a:rPr lang="en-US" smtClean="0"/>
-              <a:t>7/3/2022</a:t>
+              <a:t>7/15/2022</a:t>
             </a:fld>
             <a:endParaRPr lang="en-US"/>
           </a:p>
@@ -2488,7 +2489,7 @@
           <a:p>
             <a:fld id="{07F7D0CB-7C66-46CC-87F2-65684CA4E18D}" type="datetimeFigureOut">
               <a:rPr lang="en-US" smtClean="0"/>
-              <a:t>7/3/2022</a:t>
+              <a:t>7/15/2022</a:t>
             </a:fld>
             <a:endParaRPr lang="en-US"/>
           </a:p>
@@ -2900,7 +2901,7 @@
           <a:p>
             <a:fld id="{07F7D0CB-7C66-46CC-87F2-65684CA4E18D}" type="datetimeFigureOut">
               <a:rPr lang="en-US" smtClean="0"/>
-              <a:t>7/3/2022</a:t>
+              <a:t>7/15/2022</a:t>
             </a:fld>
             <a:endParaRPr lang="en-US"/>
           </a:p>
@@ -3041,7 +3042,7 @@
           <a:p>
             <a:fld id="{07F7D0CB-7C66-46CC-87F2-65684CA4E18D}" type="datetimeFigureOut">
               <a:rPr lang="en-US" smtClean="0"/>
-              <a:t>7/3/2022</a:t>
+              <a:t>7/15/2022</a:t>
             </a:fld>
             <a:endParaRPr lang="en-US"/>
           </a:p>
@@ -3154,7 +3155,7 @@
           <a:p>
             <a:fld id="{07F7D0CB-7C66-46CC-87F2-65684CA4E18D}" type="datetimeFigureOut">
               <a:rPr lang="en-US" smtClean="0"/>
-              <a:t>7/3/2022</a:t>
+              <a:t>7/15/2022</a:t>
             </a:fld>
             <a:endParaRPr lang="en-US"/>
           </a:p>
@@ -3465,7 +3466,7 @@
           <a:p>
             <a:fld id="{07F7D0CB-7C66-46CC-87F2-65684CA4E18D}" type="datetimeFigureOut">
               <a:rPr lang="en-US" smtClean="0"/>
-              <a:t>7/3/2022</a:t>
+              <a:t>7/15/2022</a:t>
             </a:fld>
             <a:endParaRPr lang="en-US"/>
           </a:p>
@@ -3753,7 +3754,7 @@
           <a:p>
             <a:fld id="{07F7D0CB-7C66-46CC-87F2-65684CA4E18D}" type="datetimeFigureOut">
               <a:rPr lang="en-US" smtClean="0"/>
-              <a:t>7/3/2022</a:t>
+              <a:t>7/15/2022</a:t>
             </a:fld>
             <a:endParaRPr lang="en-US"/>
           </a:p>
@@ -3994,7 +3995,7 @@
           <a:p>
             <a:fld id="{07F7D0CB-7C66-46CC-87F2-65684CA4E18D}" type="datetimeFigureOut">
               <a:rPr lang="en-US" smtClean="0"/>
-              <a:t>7/3/2022</a:t>
+              <a:t>7/15/2022</a:t>
             </a:fld>
             <a:endParaRPr lang="en-US"/>
           </a:p>
@@ -9979,6 +9980,695 @@
 </p:sld>
 </file>
 
+<file path=ppt/slides/slide7.xml><?xml version="1.0" encoding="utf-8"?>
+<p:sld xmlns:a="http://schemas.openxmlformats.org/drawingml/2006/main" xmlns:r="http://schemas.openxmlformats.org/officeDocument/2006/relationships" xmlns:p="http://schemas.openxmlformats.org/presentationml/2006/main">
+  <p:cSld>
+    <p:spTree>
+      <p:nvGrpSpPr>
+        <p:cNvPr id="1" name=""/>
+        <p:cNvGrpSpPr/>
+        <p:nvPr/>
+      </p:nvGrpSpPr>
+      <p:grpSpPr>
+        <a:xfrm>
+          <a:off x="0" y="0"/>
+          <a:ext cx="0" cy="0"/>
+          <a:chOff x="0" y="0"/>
+          <a:chExt cx="0" cy="0"/>
+        </a:xfrm>
+      </p:grpSpPr>
+      <p:sp>
+        <p:nvSpPr>
+          <p:cNvPr id="2" name="Title 1">
+            <a:extLst>
+              <a:ext uri="{FF2B5EF4-FFF2-40B4-BE49-F238E27FC236}">
+                <a16:creationId xmlns:a16="http://schemas.microsoft.com/office/drawing/2014/main" id="{E6E31280-DB88-FB02-5769-8FBA8CCC36B5}"/>
+              </a:ext>
+            </a:extLst>
+          </p:cNvPr>
+          <p:cNvSpPr>
+            <a:spLocks noGrp="1"/>
+          </p:cNvSpPr>
+          <p:nvPr>
+            <p:ph type="title"/>
+          </p:nvPr>
+        </p:nvSpPr>
+        <p:spPr>
+          <a:xfrm>
+            <a:off x="838200" y="365125"/>
+            <a:ext cx="10515600" cy="824483"/>
+          </a:xfrm>
+        </p:spPr>
+        <p:txBody>
+          <a:bodyPr/>
+          <a:lstStyle/>
+          <a:p>
+            <a:r>
+              <a:rPr lang="en-US" dirty="0">
+                <a:latin typeface="TH Sarabun New" panose="020B0500040200020003" pitchFamily="34" charset="-34"/>
+                <a:cs typeface="TH Sarabun New" panose="020B0500040200020003" pitchFamily="34" charset="-34"/>
+              </a:rPr>
+              <a:t>Reverse string</a:t>
+            </a:r>
+          </a:p>
+        </p:txBody>
+      </p:sp>
+      <p:sp>
+        <p:nvSpPr>
+          <p:cNvPr id="3" name="Content Placeholder 2">
+            <a:extLst>
+              <a:ext uri="{FF2B5EF4-FFF2-40B4-BE49-F238E27FC236}">
+                <a16:creationId xmlns:a16="http://schemas.microsoft.com/office/drawing/2014/main" id="{68256E1D-949E-3034-0D0F-03CFD6421EB2}"/>
+              </a:ext>
+            </a:extLst>
+          </p:cNvPr>
+          <p:cNvSpPr>
+            <a:spLocks noGrp="1"/>
+          </p:cNvSpPr>
+          <p:nvPr>
+            <p:ph idx="1"/>
+          </p:nvPr>
+        </p:nvSpPr>
+        <p:spPr>
+          <a:xfrm>
+            <a:off x="532660" y="1690689"/>
+            <a:ext cx="5735418" cy="1043634"/>
+          </a:xfrm>
+        </p:spPr>
+        <p:txBody>
+          <a:bodyPr>
+            <a:normAutofit/>
+          </a:bodyPr>
+          <a:lstStyle/>
+          <a:p>
+            <a:pPr marL="0" indent="0">
+              <a:buNone/>
+            </a:pPr>
+            <a:r>
+              <a:rPr lang="th-TH" sz="2400" dirty="0">
+                <a:effectLst/>
+                <a:latin typeface="TH Sarabun New" panose="020B0500040200020003" pitchFamily="34" charset="-34"/>
+                <a:cs typeface="TH Sarabun New" panose="020B0500040200020003" pitchFamily="34" charset="-34"/>
+              </a:rPr>
+              <a:t>รับค่าสตริง</a:t>
+            </a:r>
+            <a:r>
+              <a:rPr lang="en-US" sz="2400" dirty="0">
+                <a:effectLst/>
+                <a:latin typeface="TH Sarabun New" panose="020B0500040200020003" pitchFamily="34" charset="-34"/>
+                <a:cs typeface="TH Sarabun New" panose="020B0500040200020003" pitchFamily="34" charset="-34"/>
+              </a:rPr>
+              <a:t> s</a:t>
+            </a:r>
+            <a:r>
+              <a:rPr lang="th-TH" sz="2400" dirty="0">
+                <a:effectLst/>
+                <a:latin typeface="TH Sarabun New" panose="020B0500040200020003" pitchFamily="34" charset="-34"/>
+                <a:cs typeface="TH Sarabun New" panose="020B0500040200020003" pitchFamily="34" charset="-34"/>
+              </a:rPr>
+              <a:t> ความยาว </a:t>
+            </a:r>
+            <a:r>
+              <a:rPr lang="en-US" sz="2400" dirty="0">
+                <a:effectLst/>
+                <a:latin typeface="TH Sarabun New" panose="020B0500040200020003" pitchFamily="34" charset="-34"/>
+                <a:cs typeface="TH Sarabun New" panose="020B0500040200020003" pitchFamily="34" charset="-34"/>
+              </a:rPr>
+              <a:t>n </a:t>
+            </a:r>
+            <a:r>
+              <a:rPr lang="th-TH" sz="2400" dirty="0">
+                <a:effectLst/>
+                <a:latin typeface="TH Sarabun New" panose="020B0500040200020003" pitchFamily="34" charset="-34"/>
+                <a:cs typeface="TH Sarabun New" panose="020B0500040200020003" pitchFamily="34" charset="-34"/>
+              </a:rPr>
+              <a:t>ตัว</a:t>
+            </a:r>
+          </a:p>
+          <a:p>
+            <a:pPr marL="0" indent="0">
+              <a:buNone/>
+            </a:pPr>
+            <a:r>
+              <a:rPr lang="th-TH" sz="2400" b="0" dirty="0">
+                <a:effectLst/>
+                <a:latin typeface="TH Sarabun New" panose="020B0500040200020003" pitchFamily="34" charset="-34"/>
+                <a:cs typeface="TH Sarabun New" panose="020B0500040200020003" pitchFamily="34" charset="-34"/>
+              </a:rPr>
+              <a:t>ต้องการ</a:t>
+            </a:r>
+            <a:r>
+              <a:rPr lang="th-TH" sz="2400" dirty="0">
+                <a:latin typeface="TH Sarabun New" panose="020B0500040200020003" pitchFamily="34" charset="-34"/>
+                <a:cs typeface="TH Sarabun New" panose="020B0500040200020003" pitchFamily="34" charset="-34"/>
+              </a:rPr>
+              <a:t>สตริงที่เรียงจากตัวสุดท้ายถึงตัวแรก</a:t>
+            </a:r>
+            <a:r>
+              <a:rPr lang="th-TH" sz="2400" b="0" dirty="0">
+                <a:effectLst/>
+                <a:latin typeface="TH Sarabun New" panose="020B0500040200020003" pitchFamily="34" charset="-34"/>
+                <a:cs typeface="TH Sarabun New" panose="020B0500040200020003" pitchFamily="34" charset="-34"/>
+              </a:rPr>
+              <a:t>ของสตริง </a:t>
+            </a:r>
+            <a:r>
+              <a:rPr lang="en-US" sz="2400" b="0" dirty="0">
+                <a:effectLst/>
+                <a:latin typeface="TH Sarabun New" panose="020B0500040200020003" pitchFamily="34" charset="-34"/>
+                <a:cs typeface="TH Sarabun New" panose="020B0500040200020003" pitchFamily="34" charset="-34"/>
+              </a:rPr>
+              <a:t>s</a:t>
+            </a:r>
+            <a:endParaRPr lang="th-TH" sz="2400" b="0" dirty="0">
+              <a:effectLst/>
+              <a:latin typeface="TH Sarabun New" panose="020B0500040200020003" pitchFamily="34" charset="-34"/>
+              <a:cs typeface="TH Sarabun New" panose="020B0500040200020003" pitchFamily="34" charset="-34"/>
+            </a:endParaRPr>
+          </a:p>
+        </p:txBody>
+      </p:sp>
+      <p:graphicFrame>
+        <p:nvGraphicFramePr>
+          <p:cNvPr id="6" name="Table 6">
+            <a:extLst>
+              <a:ext uri="{FF2B5EF4-FFF2-40B4-BE49-F238E27FC236}">
+                <a16:creationId xmlns:a16="http://schemas.microsoft.com/office/drawing/2014/main" id="{34CD5848-6BF0-5777-A3D1-17204BCD7BCB}"/>
+              </a:ext>
+            </a:extLst>
+          </p:cNvPr>
+          <p:cNvGraphicFramePr>
+            <a:graphicFrameLocks noGrp="1"/>
+          </p:cNvGraphicFramePr>
+          <p:nvPr/>
+        </p:nvGraphicFramePr>
+        <p:xfrm>
+          <a:off x="5450889" y="1870633"/>
+          <a:ext cx="5355677" cy="1782764"/>
+        </p:xfrm>
+        <a:graphic>
+          <a:graphicData uri="http://schemas.openxmlformats.org/drawingml/2006/table">
+            <a:tbl>
+              <a:tblPr firstRow="1" bandRow="1">
+                <a:tableStyleId>{5C22544A-7EE6-4342-B048-85BDC9FD1C3A}</a:tableStyleId>
+              </a:tblPr>
+              <a:tblGrid>
+                <a:gridCol w="2666178">
+                  <a:extLst>
+                    <a:ext uri="{9D8B030D-6E8A-4147-A177-3AD203B41FA5}">
+                      <a16:colId xmlns:a16="http://schemas.microsoft.com/office/drawing/2014/main" val="3326934957"/>
+                    </a:ext>
+                  </a:extLst>
+                </a:gridCol>
+                <a:gridCol w="2689499">
+                  <a:extLst>
+                    <a:ext uri="{9D8B030D-6E8A-4147-A177-3AD203B41FA5}">
+                      <a16:colId xmlns:a16="http://schemas.microsoft.com/office/drawing/2014/main" val="3319376932"/>
+                    </a:ext>
+                  </a:extLst>
+                </a:gridCol>
+              </a:tblGrid>
+              <a:tr h="452121">
+                <a:tc>
+                  <a:txBody>
+                    <a:bodyPr/>
+                    <a:lstStyle/>
+                    <a:p>
+                      <a:pPr algn="ctr"/>
+                      <a:r>
+                        <a:rPr lang="en-US" sz="2400" dirty="0">
+                          <a:latin typeface="TH Sarabun New" panose="020B0500040200020003" pitchFamily="34" charset="-34"/>
+                          <a:cs typeface="TH Sarabun New" panose="020B0500040200020003" pitchFamily="34" charset="-34"/>
+                        </a:rPr>
+                        <a:t>Input</a:t>
+                      </a:r>
+                    </a:p>
+                  </a:txBody>
+                  <a:tcPr anchor="ctr">
+                    <a:lnL w="12700" cap="flat" cmpd="sng" algn="ctr">
+                      <a:solidFill>
+                        <a:schemeClr val="tx1"/>
+                      </a:solidFill>
+                      <a:prstDash val="solid"/>
+                      <a:round/>
+                      <a:headEnd type="none" w="med" len="med"/>
+                      <a:tailEnd type="none" w="med" len="med"/>
+                    </a:lnL>
+                    <a:lnR w="12700" cap="flat" cmpd="sng" algn="ctr">
+                      <a:solidFill>
+                        <a:schemeClr val="tx1"/>
+                      </a:solidFill>
+                      <a:prstDash val="solid"/>
+                      <a:round/>
+                      <a:headEnd type="none" w="med" len="med"/>
+                      <a:tailEnd type="none" w="med" len="med"/>
+                    </a:lnR>
+                    <a:lnT w="12700" cap="flat" cmpd="sng" algn="ctr">
+                      <a:solidFill>
+                        <a:schemeClr val="tx1"/>
+                      </a:solidFill>
+                      <a:prstDash val="solid"/>
+                      <a:round/>
+                      <a:headEnd type="none" w="med" len="med"/>
+                      <a:tailEnd type="none" w="med" len="med"/>
+                    </a:lnT>
+                    <a:lnB w="12700" cap="flat" cmpd="sng" algn="ctr">
+                      <a:solidFill>
+                        <a:schemeClr val="tx1"/>
+                      </a:solidFill>
+                      <a:prstDash val="solid"/>
+                      <a:round/>
+                      <a:headEnd type="none" w="med" len="med"/>
+                      <a:tailEnd type="none" w="med" len="med"/>
+                    </a:lnB>
+                    <a:lnTlToBr w="12700" cmpd="sng">
+                      <a:noFill/>
+                      <a:prstDash val="solid"/>
+                    </a:lnTlToBr>
+                    <a:lnBlToTr w="12700" cmpd="sng">
+                      <a:noFill/>
+                      <a:prstDash val="solid"/>
+                    </a:lnBlToTr>
+                  </a:tcPr>
+                </a:tc>
+                <a:tc>
+                  <a:txBody>
+                    <a:bodyPr/>
+                    <a:lstStyle/>
+                    <a:p>
+                      <a:pPr algn="ctr"/>
+                      <a:r>
+                        <a:rPr lang="en-US" sz="2400" dirty="0">
+                          <a:latin typeface="TH Sarabun New" panose="020B0500040200020003" pitchFamily="34" charset="-34"/>
+                          <a:cs typeface="TH Sarabun New" panose="020B0500040200020003" pitchFamily="34" charset="-34"/>
+                        </a:rPr>
+                        <a:t>Output</a:t>
+                      </a:r>
+                    </a:p>
+                  </a:txBody>
+                  <a:tcPr anchor="ctr">
+                    <a:lnL w="12700" cap="flat" cmpd="sng" algn="ctr">
+                      <a:solidFill>
+                        <a:schemeClr val="tx1"/>
+                      </a:solidFill>
+                      <a:prstDash val="solid"/>
+                      <a:round/>
+                      <a:headEnd type="none" w="med" len="med"/>
+                      <a:tailEnd type="none" w="med" len="med"/>
+                    </a:lnL>
+                    <a:lnR w="12700" cap="flat" cmpd="sng" algn="ctr">
+                      <a:solidFill>
+                        <a:schemeClr val="tx1"/>
+                      </a:solidFill>
+                      <a:prstDash val="solid"/>
+                      <a:round/>
+                      <a:headEnd type="none" w="med" len="med"/>
+                      <a:tailEnd type="none" w="med" len="med"/>
+                    </a:lnR>
+                    <a:lnT w="12700" cap="flat" cmpd="sng" algn="ctr">
+                      <a:solidFill>
+                        <a:schemeClr val="tx1"/>
+                      </a:solidFill>
+                      <a:prstDash val="solid"/>
+                      <a:round/>
+                      <a:headEnd type="none" w="med" len="med"/>
+                      <a:tailEnd type="none" w="med" len="med"/>
+                    </a:lnT>
+                    <a:lnB w="12700" cap="flat" cmpd="sng" algn="ctr">
+                      <a:solidFill>
+                        <a:schemeClr val="tx1"/>
+                      </a:solidFill>
+                      <a:prstDash val="solid"/>
+                      <a:round/>
+                      <a:headEnd type="none" w="med" len="med"/>
+                      <a:tailEnd type="none" w="med" len="med"/>
+                    </a:lnB>
+                    <a:lnTlToBr w="12700" cmpd="sng">
+                      <a:noFill/>
+                      <a:prstDash val="solid"/>
+                    </a:lnTlToBr>
+                    <a:lnBlToTr w="12700" cmpd="sng">
+                      <a:noFill/>
+                      <a:prstDash val="solid"/>
+                    </a:lnBlToTr>
+                  </a:tcPr>
+                </a:tc>
+                <a:extLst>
+                  <a:ext uri="{0D108BD9-81ED-4DB2-BD59-A6C34878D82A}">
+                    <a16:rowId xmlns:a16="http://schemas.microsoft.com/office/drawing/2014/main" val="2878183404"/>
+                  </a:ext>
+                </a:extLst>
+              </a:tr>
+              <a:tr h="662782">
+                <a:tc>
+                  <a:txBody>
+                    <a:bodyPr/>
+                    <a:lstStyle/>
+                    <a:p>
+                      <a:pPr algn="ctr"/>
+                      <a:r>
+                        <a:rPr lang="en-US" sz="1800" dirty="0">
+                          <a:latin typeface="TH Sarabun New" panose="020B0500040200020003" pitchFamily="34" charset="-34"/>
+                          <a:cs typeface="TH Sarabun New" panose="020B0500040200020003" pitchFamily="34" charset="-34"/>
+                        </a:rPr>
+                        <a:t>“ABCDE”</a:t>
+                      </a:r>
+                    </a:p>
+                  </a:txBody>
+                  <a:tcPr anchor="ctr">
+                    <a:lnL w="12700" cap="flat" cmpd="sng" algn="ctr">
+                      <a:solidFill>
+                        <a:schemeClr val="tx1"/>
+                      </a:solidFill>
+                      <a:prstDash val="solid"/>
+                      <a:round/>
+                      <a:headEnd type="none" w="med" len="med"/>
+                      <a:tailEnd type="none" w="med" len="med"/>
+                    </a:lnL>
+                    <a:lnR w="12700" cap="flat" cmpd="sng" algn="ctr">
+                      <a:solidFill>
+                        <a:schemeClr val="tx1"/>
+                      </a:solidFill>
+                      <a:prstDash val="solid"/>
+                      <a:round/>
+                      <a:headEnd type="none" w="med" len="med"/>
+                      <a:tailEnd type="none" w="med" len="med"/>
+                    </a:lnR>
+                    <a:lnT w="12700" cap="flat" cmpd="sng" algn="ctr">
+                      <a:solidFill>
+                        <a:schemeClr val="tx1"/>
+                      </a:solidFill>
+                      <a:prstDash val="solid"/>
+                      <a:round/>
+                      <a:headEnd type="none" w="med" len="med"/>
+                      <a:tailEnd type="none" w="med" len="med"/>
+                    </a:lnT>
+                    <a:lnB w="12700" cap="flat" cmpd="sng" algn="ctr">
+                      <a:solidFill>
+                        <a:schemeClr val="tx1"/>
+                      </a:solidFill>
+                      <a:prstDash val="solid"/>
+                      <a:round/>
+                      <a:headEnd type="none" w="med" len="med"/>
+                      <a:tailEnd type="none" w="med" len="med"/>
+                    </a:lnB>
+                    <a:lnTlToBr w="12700" cmpd="sng">
+                      <a:noFill/>
+                      <a:prstDash val="solid"/>
+                    </a:lnTlToBr>
+                    <a:lnBlToTr w="12700" cmpd="sng">
+                      <a:noFill/>
+                      <a:prstDash val="solid"/>
+                    </a:lnBlToTr>
+                  </a:tcPr>
+                </a:tc>
+                <a:tc>
+                  <a:txBody>
+                    <a:bodyPr/>
+                    <a:lstStyle/>
+                    <a:p>
+                      <a:pPr algn="ctr"/>
+                      <a:r>
+                        <a:rPr lang="en-US" sz="1800" b="0" kern="1200" dirty="0">
+                          <a:solidFill>
+                            <a:schemeClr val="dk1"/>
+                          </a:solidFill>
+                          <a:effectLst/>
+                          <a:latin typeface="TH Sarabun New" panose="020B0500040200020003" pitchFamily="34" charset="-34"/>
+                          <a:ea typeface="+mn-ea"/>
+                          <a:cs typeface="TH Sarabun New" panose="020B0500040200020003" pitchFamily="34" charset="-34"/>
+                        </a:rPr>
+                        <a:t>“EDCBA”</a:t>
+                      </a:r>
+                      <a:endParaRPr lang="th-TH" sz="1800" b="0" kern="1200" dirty="0">
+                        <a:solidFill>
+                          <a:schemeClr val="dk1"/>
+                        </a:solidFill>
+                        <a:effectLst/>
+                        <a:latin typeface="TH Sarabun New" panose="020B0500040200020003" pitchFamily="34" charset="-34"/>
+                        <a:ea typeface="+mn-ea"/>
+                        <a:cs typeface="TH Sarabun New" panose="020B0500040200020003" pitchFamily="34" charset="-34"/>
+                      </a:endParaRPr>
+                    </a:p>
+                  </a:txBody>
+                  <a:tcPr anchor="ctr">
+                    <a:lnL w="12700" cap="flat" cmpd="sng" algn="ctr">
+                      <a:solidFill>
+                        <a:schemeClr val="tx1"/>
+                      </a:solidFill>
+                      <a:prstDash val="solid"/>
+                      <a:round/>
+                      <a:headEnd type="none" w="med" len="med"/>
+                      <a:tailEnd type="none" w="med" len="med"/>
+                    </a:lnL>
+                    <a:lnR w="12700" cap="flat" cmpd="sng" algn="ctr">
+                      <a:solidFill>
+                        <a:schemeClr val="tx1"/>
+                      </a:solidFill>
+                      <a:prstDash val="solid"/>
+                      <a:round/>
+                      <a:headEnd type="none" w="med" len="med"/>
+                      <a:tailEnd type="none" w="med" len="med"/>
+                    </a:lnR>
+                    <a:lnT w="12700" cap="flat" cmpd="sng" algn="ctr">
+                      <a:solidFill>
+                        <a:schemeClr val="tx1"/>
+                      </a:solidFill>
+                      <a:prstDash val="solid"/>
+                      <a:round/>
+                      <a:headEnd type="none" w="med" len="med"/>
+                      <a:tailEnd type="none" w="med" len="med"/>
+                    </a:lnT>
+                    <a:lnB w="12700" cap="flat" cmpd="sng" algn="ctr">
+                      <a:solidFill>
+                        <a:schemeClr val="tx1"/>
+                      </a:solidFill>
+                      <a:prstDash val="solid"/>
+                      <a:round/>
+                      <a:headEnd type="none" w="med" len="med"/>
+                      <a:tailEnd type="none" w="med" len="med"/>
+                    </a:lnB>
+                    <a:lnTlToBr w="12700" cmpd="sng">
+                      <a:noFill/>
+                      <a:prstDash val="solid"/>
+                    </a:lnTlToBr>
+                    <a:lnBlToTr w="12700" cmpd="sng">
+                      <a:noFill/>
+                      <a:prstDash val="solid"/>
+                    </a:lnBlToTr>
+                  </a:tcPr>
+                </a:tc>
+                <a:extLst>
+                  <a:ext uri="{0D108BD9-81ED-4DB2-BD59-A6C34878D82A}">
+                    <a16:rowId xmlns:a16="http://schemas.microsoft.com/office/drawing/2014/main" val="540804828"/>
+                  </a:ext>
+                </a:extLst>
+              </a:tr>
+              <a:tr h="662782">
+                <a:tc>
+                  <a:txBody>
+                    <a:bodyPr/>
+                    <a:lstStyle/>
+                    <a:p>
+                      <a:pPr algn="ctr"/>
+                      <a:r>
+                        <a:rPr lang="en-US" sz="1800" dirty="0">
+                          <a:latin typeface="TH Sarabun New" panose="020B0500040200020003" pitchFamily="34" charset="-34"/>
+                          <a:cs typeface="TH Sarabun New" panose="020B0500040200020003" pitchFamily="34" charset="-34"/>
+                        </a:rPr>
+                        <a:t>“12345678”</a:t>
+                      </a:r>
+                    </a:p>
+                  </a:txBody>
+                  <a:tcPr anchor="ctr">
+                    <a:lnL w="12700" cap="flat" cmpd="sng" algn="ctr">
+                      <a:solidFill>
+                        <a:schemeClr val="tx1"/>
+                      </a:solidFill>
+                      <a:prstDash val="solid"/>
+                      <a:round/>
+                      <a:headEnd type="none" w="med" len="med"/>
+                      <a:tailEnd type="none" w="med" len="med"/>
+                    </a:lnL>
+                    <a:lnR w="12700" cap="flat" cmpd="sng" algn="ctr">
+                      <a:solidFill>
+                        <a:schemeClr val="tx1"/>
+                      </a:solidFill>
+                      <a:prstDash val="solid"/>
+                      <a:round/>
+                      <a:headEnd type="none" w="med" len="med"/>
+                      <a:tailEnd type="none" w="med" len="med"/>
+                    </a:lnR>
+                    <a:lnT w="12700" cap="flat" cmpd="sng" algn="ctr">
+                      <a:solidFill>
+                        <a:schemeClr val="tx1"/>
+                      </a:solidFill>
+                      <a:prstDash val="solid"/>
+                      <a:round/>
+                      <a:headEnd type="none" w="med" len="med"/>
+                      <a:tailEnd type="none" w="med" len="med"/>
+                    </a:lnT>
+                    <a:lnB w="12700" cap="flat" cmpd="sng" algn="ctr">
+                      <a:solidFill>
+                        <a:schemeClr val="tx1"/>
+                      </a:solidFill>
+                      <a:prstDash val="solid"/>
+                      <a:round/>
+                      <a:headEnd type="none" w="med" len="med"/>
+                      <a:tailEnd type="none" w="med" len="med"/>
+                    </a:lnB>
+                    <a:lnTlToBr w="12700" cmpd="sng">
+                      <a:noFill/>
+                      <a:prstDash val="solid"/>
+                    </a:lnTlToBr>
+                    <a:lnBlToTr w="12700" cmpd="sng">
+                      <a:noFill/>
+                      <a:prstDash val="solid"/>
+                    </a:lnBlToTr>
+                  </a:tcPr>
+                </a:tc>
+                <a:tc>
+                  <a:txBody>
+                    <a:bodyPr/>
+                    <a:lstStyle/>
+                    <a:p>
+                      <a:pPr algn="ctr"/>
+                      <a:r>
+                        <a:rPr lang="en-US" sz="1800" b="0" kern="1200" dirty="0">
+                          <a:solidFill>
+                            <a:schemeClr val="dk1"/>
+                          </a:solidFill>
+                          <a:effectLst/>
+                          <a:latin typeface="TH Sarabun New" panose="020B0500040200020003" pitchFamily="34" charset="-34"/>
+                          <a:ea typeface="+mn-ea"/>
+                          <a:cs typeface="TH Sarabun New" panose="020B0500040200020003" pitchFamily="34" charset="-34"/>
+                        </a:rPr>
+                        <a:t>“87654321”</a:t>
+                      </a:r>
+                      <a:endParaRPr lang="th-TH" sz="1800" b="0" kern="1200" dirty="0">
+                        <a:solidFill>
+                          <a:schemeClr val="dk1"/>
+                        </a:solidFill>
+                        <a:effectLst/>
+                        <a:latin typeface="TH Sarabun New" panose="020B0500040200020003" pitchFamily="34" charset="-34"/>
+                        <a:ea typeface="+mn-ea"/>
+                        <a:cs typeface="TH Sarabun New" panose="020B0500040200020003" pitchFamily="34" charset="-34"/>
+                      </a:endParaRPr>
+                    </a:p>
+                  </a:txBody>
+                  <a:tcPr anchor="ctr">
+                    <a:lnL w="12700" cap="flat" cmpd="sng" algn="ctr">
+                      <a:solidFill>
+                        <a:schemeClr val="tx1"/>
+                      </a:solidFill>
+                      <a:prstDash val="solid"/>
+                      <a:round/>
+                      <a:headEnd type="none" w="med" len="med"/>
+                      <a:tailEnd type="none" w="med" len="med"/>
+                    </a:lnL>
+                    <a:lnR w="12700" cap="flat" cmpd="sng" algn="ctr">
+                      <a:solidFill>
+                        <a:schemeClr val="tx1"/>
+                      </a:solidFill>
+                      <a:prstDash val="solid"/>
+                      <a:round/>
+                      <a:headEnd type="none" w="med" len="med"/>
+                      <a:tailEnd type="none" w="med" len="med"/>
+                    </a:lnR>
+                    <a:lnT w="12700" cap="flat" cmpd="sng" algn="ctr">
+                      <a:solidFill>
+                        <a:schemeClr val="tx1"/>
+                      </a:solidFill>
+                      <a:prstDash val="solid"/>
+                      <a:round/>
+                      <a:headEnd type="none" w="med" len="med"/>
+                      <a:tailEnd type="none" w="med" len="med"/>
+                    </a:lnT>
+                    <a:lnB w="12700" cap="flat" cmpd="sng" algn="ctr">
+                      <a:solidFill>
+                        <a:schemeClr val="tx1"/>
+                      </a:solidFill>
+                      <a:prstDash val="solid"/>
+                      <a:round/>
+                      <a:headEnd type="none" w="med" len="med"/>
+                      <a:tailEnd type="none" w="med" len="med"/>
+                    </a:lnB>
+                    <a:lnTlToBr w="12700" cmpd="sng">
+                      <a:noFill/>
+                      <a:prstDash val="solid"/>
+                    </a:lnTlToBr>
+                    <a:lnBlToTr w="12700" cmpd="sng">
+                      <a:noFill/>
+                      <a:prstDash val="solid"/>
+                    </a:lnBlToTr>
+                  </a:tcPr>
+                </a:tc>
+                <a:extLst>
+                  <a:ext uri="{0D108BD9-81ED-4DB2-BD59-A6C34878D82A}">
+                    <a16:rowId xmlns:a16="http://schemas.microsoft.com/office/drawing/2014/main" val="3803760435"/>
+                  </a:ext>
+                </a:extLst>
+              </a:tr>
+            </a:tbl>
+          </a:graphicData>
+        </a:graphic>
+      </p:graphicFrame>
+      <p:sp>
+        <p:nvSpPr>
+          <p:cNvPr id="7" name="TextBox 6">
+            <a:extLst>
+              <a:ext uri="{FF2B5EF4-FFF2-40B4-BE49-F238E27FC236}">
+                <a16:creationId xmlns:a16="http://schemas.microsoft.com/office/drawing/2014/main" id="{E56C5AF0-C199-3C69-7EED-E3C6C6ADC360}"/>
+              </a:ext>
+            </a:extLst>
+          </p:cNvPr>
+          <p:cNvSpPr txBox="1"/>
+          <p:nvPr/>
+        </p:nvSpPr>
+        <p:spPr>
+          <a:xfrm>
+            <a:off x="5225507" y="1459856"/>
+            <a:ext cx="5806440" cy="461665"/>
+          </a:xfrm>
+          <a:prstGeom prst="rect">
+            <a:avLst/>
+          </a:prstGeom>
+          <a:noFill/>
+        </p:spPr>
+        <p:txBody>
+          <a:bodyPr wrap="square" rtlCol="0">
+            <a:spAutoFit/>
+          </a:bodyPr>
+          <a:lstStyle/>
+          <a:p>
+            <a:pPr algn="ctr"/>
+            <a:r>
+              <a:rPr lang="th-TH" sz="2400" b="1" dirty="0">
+                <a:latin typeface="TH Sarabun New" panose="020B0500040200020003" pitchFamily="34" charset="-34"/>
+                <a:cs typeface="TH Sarabun New" panose="020B0500040200020003" pitchFamily="34" charset="-34"/>
+              </a:rPr>
+              <a:t>ตัวอย่าง</a:t>
+            </a:r>
+            <a:endParaRPr lang="en-US" sz="2400" b="1" dirty="0">
+              <a:latin typeface="TH Sarabun New" panose="020B0500040200020003" pitchFamily="34" charset="-34"/>
+              <a:cs typeface="TH Sarabun New" panose="020B0500040200020003" pitchFamily="34" charset="-34"/>
+            </a:endParaRPr>
+          </a:p>
+        </p:txBody>
+      </p:sp>
+    </p:spTree>
+    <p:extLst>
+      <p:ext uri="{BB962C8B-B14F-4D97-AF65-F5344CB8AC3E}">
+        <p14:creationId xmlns:p14="http://schemas.microsoft.com/office/powerpoint/2010/main" val="2322889053"/>
+      </p:ext>
+    </p:extLst>
+  </p:cSld>
+  <p:clrMapOvr>
+    <a:masterClrMapping/>
+  </p:clrMapOvr>
+</p:sld>
+</file>
+
 <file path=ppt/theme/theme1.xml><?xml version="1.0" encoding="utf-8"?>
 <a:theme xmlns:a="http://schemas.openxmlformats.org/drawingml/2006/main" name="Office Theme">
   <a:themeElements>
